--- a/documents/Template-for-Final-Oral.pptx
+++ b/documents/Template-for-Final-Oral.pptx
@@ -5,19 +5,26 @@
     <p:sldMasterId id="2147483648" r:id="rId1"/>
   </p:sldMasterIdLst>
   <p:notesMasterIdLst>
-    <p:notesMasterId r:id="rId9"/>
+    <p:notesMasterId r:id="rId16"/>
   </p:notesMasterIdLst>
   <p:handoutMasterIdLst>
-    <p:handoutMasterId r:id="rId10"/>
+    <p:handoutMasterId r:id="rId17"/>
   </p:handoutMasterIdLst>
   <p:sldIdLst>
     <p:sldId id="256" r:id="rId2"/>
-    <p:sldId id="290" r:id="rId3"/>
-    <p:sldId id="258" r:id="rId4"/>
-    <p:sldId id="275" r:id="rId5"/>
-    <p:sldId id="297" r:id="rId6"/>
-    <p:sldId id="298" r:id="rId7"/>
+    <p:sldId id="258" r:id="rId3"/>
+    <p:sldId id="275" r:id="rId4"/>
+    <p:sldId id="297" r:id="rId5"/>
+    <p:sldId id="298" r:id="rId6"/>
+    <p:sldId id="299" r:id="rId7"/>
     <p:sldId id="289" r:id="rId8"/>
+    <p:sldId id="306" r:id="rId9"/>
+    <p:sldId id="307" r:id="rId10"/>
+    <p:sldId id="301" r:id="rId11"/>
+    <p:sldId id="302" r:id="rId12"/>
+    <p:sldId id="303" r:id="rId13"/>
+    <p:sldId id="304" r:id="rId14"/>
+    <p:sldId id="305" r:id="rId15"/>
   </p:sldIdLst>
   <p:sldSz cx="13004800" cy="9753600"/>
   <p:notesSz cx="6888163" cy="10020300"/>
@@ -3186,7 +3193,7 @@
           </a:ln>
           <a:extLst>
             <a:ext uri="{C572A759-6A51-4108-AA02-DFA0A04FC94B}">
-              <ma14:wrappingTextBoxFlag xmlns="" xmlns:m="http://schemas.openxmlformats.org/officeDocument/2006/math" xmlns:a14="http://schemas.microsoft.com/office/drawing/2010/main" xmlns:ma14="http://schemas.microsoft.com/office/mac/drawingml/2011/main" val="1"/>
+              <ma14:wrappingTextBoxFlag xmlns:ma14="http://schemas.microsoft.com/office/mac/drawingml/2011/main" xmlns:a14="http://schemas.microsoft.com/office/drawing/2010/main" xmlns:m="http://schemas.openxmlformats.org/officeDocument/2006/math" xmlns="" val="1"/>
             </a:ext>
           </a:extLst>
         </p:spPr>
@@ -3241,7 +3248,7 @@
           </a:ln>
           <a:extLst>
             <a:ext uri="{C572A759-6A51-4108-AA02-DFA0A04FC94B}">
-              <ma14:wrappingTextBoxFlag xmlns="" xmlns:m="http://schemas.openxmlformats.org/officeDocument/2006/math" xmlns:a14="http://schemas.microsoft.com/office/drawing/2010/main" xmlns:ma14="http://schemas.microsoft.com/office/mac/drawingml/2011/main" val="1"/>
+              <ma14:wrappingTextBoxFlag xmlns:ma14="http://schemas.microsoft.com/office/mac/drawingml/2011/main" xmlns:a14="http://schemas.microsoft.com/office/drawing/2010/main" xmlns:m="http://schemas.openxmlformats.org/officeDocument/2006/math" xmlns="" val="1"/>
             </a:ext>
           </a:extLst>
         </p:spPr>
@@ -4056,7 +4063,7 @@
           <p:cNvPr id="6" name="Title 1">
             <a:extLst>
               <a:ext uri="{FF2B5EF4-FFF2-40B4-BE49-F238E27FC236}">
-                <a16:creationId xmlns:a16="http://schemas.microsoft.com/office/drawing/2014/main" id="{0264C9CC-E38A-467A-8F1C-459375F5EDFF}"/>
+                <a16:creationId xmlns:a16="http://schemas.microsoft.com/office/drawing/2014/main" xmlns="" id="{0264C9CC-E38A-467A-8F1C-459375F5EDFF}"/>
               </a:ext>
             </a:extLst>
           </p:cNvPr>
@@ -4342,6 +4349,18 @@
               </a:spcBef>
               <a:buNone/>
             </a:pPr>
+            <a:r>
+              <a:rPr lang="en-US" sz="3200" b="1" dirty="0" smtClean="0">
+                <a:solidFill>
+                  <a:schemeClr val="bg2">
+                    <a:lumMod val="10000"/>
+                  </a:schemeClr>
+                </a:solidFill>
+                <a:latin typeface="Arial" panose="020B0604020202020204" pitchFamily="34" charset="0"/>
+                <a:cs typeface="Arial" panose="020B0604020202020204" pitchFamily="34" charset="0"/>
+              </a:rPr>
+              <a:t>Bacolod Four Leaf Clover</a:t>
+            </a:r>
             <a:endParaRPr lang="en-US" sz="3200" b="1" dirty="0">
               <a:solidFill>
                 <a:schemeClr val="bg2">
@@ -4360,10 +4379,17 @@
     <a:masterClrMapping/>
   </p:clrMapOvr>
   <p:transition spd="med"/>
+  <p:timing>
+    <p:tnLst>
+      <p:par>
+        <p:cTn id="1" dur="indefinite" restart="never" nodeType="tmRoot"/>
+      </p:par>
+    </p:tnLst>
+  </p:timing>
 </p:sld>
 </file>
 
-<file path=ppt/slides/slide2.xml><?xml version="1.0" encoding="utf-8"?>
+<file path=ppt/slides/slide10.xml><?xml version="1.0" encoding="utf-8"?>
 <p:sld xmlns:a="http://schemas.openxmlformats.org/drawingml/2006/main" xmlns:r="http://schemas.openxmlformats.org/officeDocument/2006/relationships" xmlns:p="http://schemas.openxmlformats.org/presentationml/2006/main">
   <p:cSld>
     <p:spTree>
@@ -4382,22 +4408,19 @@
       </p:grpSpPr>
       <p:sp>
         <p:nvSpPr>
-          <p:cNvPr id="154" name="Presentation Subtitle"/>
-          <p:cNvSpPr txBox="1">
+          <p:cNvPr id="5" name="Text Placeholder 2"/>
+          <p:cNvSpPr>
             <a:spLocks noGrp="1"/>
           </p:cNvSpPr>
           <p:nvPr>
-            <p:ph type="subTitle" sz="quarter" idx="1"/>
+            <p:ph type="body" sz="quarter" idx="1"/>
           </p:nvPr>
         </p:nvSpPr>
         <p:spPr>
           <a:xfrm>
-            <a:off x="548640" y="648034"/>
-            <a:ext cx="11198307" cy="1456399"/>
+            <a:off x="1097281" y="333747"/>
+            <a:ext cx="11028812" cy="1817757"/>
           </a:xfrm>
-          <a:prstGeom prst="rect">
-            <a:avLst/>
-          </a:prstGeom>
         </p:spPr>
         <p:txBody>
           <a:bodyPr>
@@ -4405,307 +4428,37 @@
           </a:bodyPr>
           <a:lstStyle/>
           <a:p>
+            <a:pPr algn="just"/>
             <a:r>
-              <a:rPr lang="en-US" sz="4800" dirty="0"/>
-              <a:t>Introduction</a:t>
+              <a:rPr lang="en-US" sz="4800" dirty="0" smtClean="0">
+                <a:solidFill>
+                  <a:schemeClr val="tx2">
+                    <a:lumMod val="50000"/>
+                  </a:schemeClr>
+                </a:solidFill>
+              </a:rPr>
+              <a:t>Context Flow Diagram</a:t>
             </a:r>
-            <a:endParaRPr sz="4800" dirty="0"/>
+            <a:endParaRPr lang="en-US" sz="4800" dirty="0">
+              <a:solidFill>
+                <a:schemeClr val="tx2">
+                  <a:lumMod val="50000"/>
+                </a:schemeClr>
+              </a:solidFill>
+            </a:endParaRPr>
           </a:p>
         </p:txBody>
       </p:sp>
       <p:sp>
         <p:nvSpPr>
-          <p:cNvPr id="4" name="Text Placeholder 2">
-            <a:extLst>
-              <a:ext uri="{FF2B5EF4-FFF2-40B4-BE49-F238E27FC236}">
-                <a16:creationId xmlns:a16="http://schemas.microsoft.com/office/drawing/2014/main" id="{6FDC6CB2-1754-4EDF-B6E1-10DC6E44F2E5}"/>
-              </a:ext>
-            </a:extLst>
-          </p:cNvPr>
-          <p:cNvSpPr txBox="1">
-            <a:spLocks/>
-          </p:cNvSpPr>
-          <p:nvPr/>
-        </p:nvSpPr>
-        <p:spPr>
-          <a:xfrm>
-            <a:off x="548640" y="2406490"/>
-            <a:ext cx="10716768" cy="5987702"/>
-          </a:xfrm>
-          <a:prstGeom prst="rect">
-            <a:avLst/>
-          </a:prstGeom>
-          <a:ln w="12700">
-            <a:miter lim="400000"/>
-          </a:ln>
-          <a:extLst>
-            <a:ext uri="{C572A759-6A51-4108-AA02-DFA0A04FC94B}">
-              <ma14:wrappingTextBoxFlag xmlns="" xmlns:m="http://schemas.openxmlformats.org/officeDocument/2006/math" xmlns:a14="http://schemas.microsoft.com/office/drawing/2010/main" xmlns:ma14="http://schemas.microsoft.com/office/mac/drawingml/2011/main" val="1"/>
-            </a:ext>
-          </a:extLst>
-        </p:spPr>
-        <p:txBody>
-          <a:bodyPr lIns="50800" tIns="50800" rIns="50800" bIns="50800">
-            <a:noAutofit/>
-          </a:bodyPr>
-          <a:lstStyle>
-            <a:lvl1pPr marL="0" marR="0" indent="0" algn="l" defTabSz="587022" rtl="0" latinLnBrk="0">
-              <a:lnSpc>
-                <a:spcPct val="100000"/>
-              </a:lnSpc>
-              <a:spcBef>
-                <a:spcPts val="0"/>
-              </a:spcBef>
-              <a:spcAft>
-                <a:spcPts val="0"/>
-              </a:spcAft>
-              <a:buClrTx/>
-              <a:buSzTx/>
-              <a:buFontTx/>
-              <a:buNone/>
-              <a:tabLst/>
-              <a:defRPr sz="3800" b="1" i="0" u="none" strike="noStrike" cap="none" spc="0" baseline="0">
-                <a:solidFill>
-                  <a:srgbClr val="000000"/>
-                </a:solidFill>
-                <a:uFillTx/>
-                <a:latin typeface="+mn-lt"/>
-                <a:ea typeface="+mn-ea"/>
-                <a:cs typeface="+mn-cs"/>
-                <a:sym typeface="Helvetica Neue"/>
-              </a:defRPr>
-            </a:lvl1pPr>
-            <a:lvl2pPr marL="0" marR="0" indent="457200" algn="l" defTabSz="587022" rtl="0" latinLnBrk="0">
-              <a:lnSpc>
-                <a:spcPct val="100000"/>
-              </a:lnSpc>
-              <a:spcBef>
-                <a:spcPts val="0"/>
-              </a:spcBef>
-              <a:spcAft>
-                <a:spcPts val="0"/>
-              </a:spcAft>
-              <a:buClrTx/>
-              <a:buSzTx/>
-              <a:buFontTx/>
-              <a:buNone/>
-              <a:tabLst/>
-              <a:defRPr sz="3800" b="1" i="0" u="none" strike="noStrike" cap="none" spc="0" baseline="0">
-                <a:solidFill>
-                  <a:srgbClr val="000000"/>
-                </a:solidFill>
-                <a:uFillTx/>
-                <a:latin typeface="+mn-lt"/>
-                <a:ea typeface="+mn-ea"/>
-                <a:cs typeface="+mn-cs"/>
-                <a:sym typeface="Helvetica Neue"/>
-              </a:defRPr>
-            </a:lvl2pPr>
-            <a:lvl3pPr marL="0" marR="0" indent="914400" algn="l" defTabSz="587022" rtl="0" latinLnBrk="0">
-              <a:lnSpc>
-                <a:spcPct val="100000"/>
-              </a:lnSpc>
-              <a:spcBef>
-                <a:spcPts val="0"/>
-              </a:spcBef>
-              <a:spcAft>
-                <a:spcPts val="0"/>
-              </a:spcAft>
-              <a:buClrTx/>
-              <a:buSzTx/>
-              <a:buFontTx/>
-              <a:buNone/>
-              <a:tabLst/>
-              <a:defRPr sz="3800" b="1" i="0" u="none" strike="noStrike" cap="none" spc="0" baseline="0">
-                <a:solidFill>
-                  <a:srgbClr val="000000"/>
-                </a:solidFill>
-                <a:uFillTx/>
-                <a:latin typeface="+mn-lt"/>
-                <a:ea typeface="+mn-ea"/>
-                <a:cs typeface="+mn-cs"/>
-                <a:sym typeface="Helvetica Neue"/>
-              </a:defRPr>
-            </a:lvl3pPr>
-            <a:lvl4pPr marL="0" marR="0" indent="1371600" algn="l" defTabSz="587022" rtl="0" latinLnBrk="0">
-              <a:lnSpc>
-                <a:spcPct val="100000"/>
-              </a:lnSpc>
-              <a:spcBef>
-                <a:spcPts val="0"/>
-              </a:spcBef>
-              <a:spcAft>
-                <a:spcPts val="0"/>
-              </a:spcAft>
-              <a:buClrTx/>
-              <a:buSzTx/>
-              <a:buFontTx/>
-              <a:buNone/>
-              <a:tabLst/>
-              <a:defRPr sz="3800" b="1" i="0" u="none" strike="noStrike" cap="none" spc="0" baseline="0">
-                <a:solidFill>
-                  <a:srgbClr val="000000"/>
-                </a:solidFill>
-                <a:uFillTx/>
-                <a:latin typeface="+mn-lt"/>
-                <a:ea typeface="+mn-ea"/>
-                <a:cs typeface="+mn-cs"/>
-                <a:sym typeface="Helvetica Neue"/>
-              </a:defRPr>
-            </a:lvl4pPr>
-            <a:lvl5pPr marL="0" marR="0" indent="1828800" algn="l" defTabSz="587022" rtl="0" latinLnBrk="0">
-              <a:lnSpc>
-                <a:spcPct val="100000"/>
-              </a:lnSpc>
-              <a:spcBef>
-                <a:spcPts val="0"/>
-              </a:spcBef>
-              <a:spcAft>
-                <a:spcPts val="0"/>
-              </a:spcAft>
-              <a:buClrTx/>
-              <a:buSzTx/>
-              <a:buFontTx/>
-              <a:buNone/>
-              <a:tabLst/>
-              <a:defRPr sz="3800" b="1" i="0" u="none" strike="noStrike" cap="none" spc="0" baseline="0">
-                <a:solidFill>
-                  <a:srgbClr val="000000"/>
-                </a:solidFill>
-                <a:uFillTx/>
-                <a:latin typeface="+mn-lt"/>
-                <a:ea typeface="+mn-ea"/>
-                <a:cs typeface="+mn-cs"/>
-                <a:sym typeface="Helvetica Neue"/>
-              </a:defRPr>
-            </a:lvl5pPr>
-            <a:lvl6pPr marL="2286000" marR="0" indent="-381000" algn="l" defTabSz="1733930" rtl="0" latinLnBrk="0">
-              <a:lnSpc>
-                <a:spcPct val="90000"/>
-              </a:lnSpc>
-              <a:spcBef>
-                <a:spcPts val="3200"/>
-              </a:spcBef>
-              <a:spcAft>
-                <a:spcPts val="0"/>
-              </a:spcAft>
-              <a:buClrTx/>
-              <a:buSzPct val="123000"/>
-              <a:buFontTx/>
-              <a:buChar char="•"/>
-              <a:tabLst/>
-              <a:defRPr sz="3000" b="0" i="0" u="none" strike="noStrike" cap="none" spc="0" baseline="0">
-                <a:solidFill>
-                  <a:srgbClr val="000000"/>
-                </a:solidFill>
-                <a:uFillTx/>
-                <a:latin typeface="+mn-lt"/>
-                <a:ea typeface="+mn-ea"/>
-                <a:cs typeface="+mn-cs"/>
-                <a:sym typeface="Helvetica Neue"/>
-              </a:defRPr>
-            </a:lvl6pPr>
-            <a:lvl7pPr marL="2667000" marR="0" indent="-381000" algn="l" defTabSz="1733930" rtl="0" latinLnBrk="0">
-              <a:lnSpc>
-                <a:spcPct val="90000"/>
-              </a:lnSpc>
-              <a:spcBef>
-                <a:spcPts val="3200"/>
-              </a:spcBef>
-              <a:spcAft>
-                <a:spcPts val="0"/>
-              </a:spcAft>
-              <a:buClrTx/>
-              <a:buSzPct val="123000"/>
-              <a:buFontTx/>
-              <a:buChar char="•"/>
-              <a:tabLst/>
-              <a:defRPr sz="3000" b="0" i="0" u="none" strike="noStrike" cap="none" spc="0" baseline="0">
-                <a:solidFill>
-                  <a:srgbClr val="000000"/>
-                </a:solidFill>
-                <a:uFillTx/>
-                <a:latin typeface="+mn-lt"/>
-                <a:ea typeface="+mn-ea"/>
-                <a:cs typeface="+mn-cs"/>
-                <a:sym typeface="Helvetica Neue"/>
-              </a:defRPr>
-            </a:lvl7pPr>
-            <a:lvl8pPr marL="3048000" marR="0" indent="-381000" algn="l" defTabSz="1733930" rtl="0" latinLnBrk="0">
-              <a:lnSpc>
-                <a:spcPct val="90000"/>
-              </a:lnSpc>
-              <a:spcBef>
-                <a:spcPts val="3200"/>
-              </a:spcBef>
-              <a:spcAft>
-                <a:spcPts val="0"/>
-              </a:spcAft>
-              <a:buClrTx/>
-              <a:buSzPct val="123000"/>
-              <a:buFontTx/>
-              <a:buChar char="•"/>
-              <a:tabLst/>
-              <a:defRPr sz="3000" b="0" i="0" u="none" strike="noStrike" cap="none" spc="0" baseline="0">
-                <a:solidFill>
-                  <a:srgbClr val="000000"/>
-                </a:solidFill>
-                <a:uFillTx/>
-                <a:latin typeface="+mn-lt"/>
-                <a:ea typeface="+mn-ea"/>
-                <a:cs typeface="+mn-cs"/>
-                <a:sym typeface="Helvetica Neue"/>
-              </a:defRPr>
-            </a:lvl8pPr>
-            <a:lvl9pPr marL="3429000" marR="0" indent="-381000" algn="l" defTabSz="1733930" rtl="0" latinLnBrk="0">
-              <a:lnSpc>
-                <a:spcPct val="90000"/>
-              </a:lnSpc>
-              <a:spcBef>
-                <a:spcPts val="3200"/>
-              </a:spcBef>
-              <a:spcAft>
-                <a:spcPts val="0"/>
-              </a:spcAft>
-              <a:buClrTx/>
-              <a:buSzPct val="123000"/>
-              <a:buFontTx/>
-              <a:buChar char="•"/>
-              <a:tabLst/>
-              <a:defRPr sz="3000" b="0" i="0" u="none" strike="noStrike" cap="none" spc="0" baseline="0">
-                <a:solidFill>
-                  <a:srgbClr val="000000"/>
-                </a:solidFill>
-                <a:uFillTx/>
-                <a:latin typeface="+mn-lt"/>
-                <a:ea typeface="+mn-ea"/>
-                <a:cs typeface="+mn-cs"/>
-                <a:sym typeface="Helvetica Neue"/>
-              </a:defRPr>
-            </a:lvl9pPr>
-          </a:lstStyle>
-          <a:p>
-            <a:pPr algn="just" hangingPunct="1"/>
-            <a:endParaRPr lang="en-US" sz="4000" dirty="0"/>
-          </a:p>
-        </p:txBody>
-      </p:sp>
-      <p:sp>
-        <p:nvSpPr>
-          <p:cNvPr id="6" name="TextBox 5">
-            <a:extLst>
-              <a:ext uri="{FF2B5EF4-FFF2-40B4-BE49-F238E27FC236}">
-                <a16:creationId xmlns:a16="http://schemas.microsoft.com/office/drawing/2014/main" id="{088E0DD6-1959-5228-E84A-477AE0329F33}"/>
-              </a:ext>
-            </a:extLst>
-          </p:cNvPr>
+          <p:cNvPr id="2" name="TextBox 1"/>
           <p:cNvSpPr txBox="1"/>
           <p:nvPr/>
         </p:nvSpPr>
         <p:spPr>
           <a:xfrm>
-            <a:off x="548639" y="2640078"/>
-            <a:ext cx="11198307" cy="1210588"/>
+            <a:off x="1097281" y="6938316"/>
+            <a:ext cx="7168896" cy="1579920"/>
           </a:xfrm>
           <a:prstGeom prst="rect">
             <a:avLst/>
@@ -4736,7 +4489,30 @@
           </a:bodyPr>
           <a:lstStyle/>
           <a:p>
-            <a:pPr marL="571500" marR="0" indent="-571500" algn="l" defTabSz="1733930" rtl="0" fontAlgn="auto" latinLnBrk="0" hangingPunct="0">
+            <a:pPr algn="just"/>
+            <a:r>
+              <a:rPr lang="en-US" sz="2000" dirty="0" smtClean="0">
+                <a:solidFill>
+                  <a:srgbClr val="000000"/>
+                </a:solidFill>
+                <a:latin typeface="Courier New" panose="02070309020205020404" pitchFamily="49" charset="0"/>
+                <a:cs typeface="Courier New" panose="02070309020205020404" pitchFamily="49" charset="0"/>
+              </a:rPr>
+              <a:t>Figure </a:t>
+            </a:r>
+            <a:r>
+              <a:rPr lang="en-US" sz="2000" dirty="0">
+                <a:solidFill>
+                  <a:srgbClr val="000000"/>
+                </a:solidFill>
+                <a:latin typeface="Courier New" panose="02070309020205020404" pitchFamily="49" charset="0"/>
+                <a:cs typeface="Courier New" panose="02070309020205020404" pitchFamily="49" charset="0"/>
+              </a:rPr>
+              <a:t>shows how the researcher maps out on how the entire features and components of the system will work together according to its purpose.</a:t>
+            </a:r>
+          </a:p>
+          <a:p>
+            <a:pPr marL="0" marR="0" indent="0" algn="just" defTabSz="1733930" rtl="0" fontAlgn="auto" latinLnBrk="0" hangingPunct="0">
               <a:lnSpc>
                 <a:spcPct val="100000"/>
               </a:lnSpc>
@@ -4748,35 +4524,11 @@
               </a:spcAft>
               <a:buClrTx/>
               <a:buSzTx/>
-              <a:buFont typeface="Arial" panose="020B0604020202020204" pitchFamily="34" charset="0"/>
-              <a:buChar char="•"/>
+              <a:buFontTx/>
+              <a:buNone/>
               <a:tabLst/>
             </a:pPr>
-            <a:r>
-              <a:rPr lang="en-US" sz="3600" b="1" i="1" dirty="0">
-                <a:solidFill>
-                  <a:srgbClr val="000000"/>
-                </a:solidFill>
-                <a:effectLst/>
-                <a:latin typeface="Courier New" panose="02070309020205020404" pitchFamily="49" charset="0"/>
-                <a:ea typeface="Calibri" panose="020F0502020204030204" pitchFamily="34" charset="0"/>
-                <a:cs typeface="Courier New" panose="02070309020205020404" pitchFamily="49" charset="0"/>
-              </a:rPr>
-              <a:t>Beneficiary</a:t>
-            </a:r>
-            <a:r>
-              <a:rPr lang="en-US" sz="3600" b="0" dirty="0">
-                <a:solidFill>
-                  <a:srgbClr val="000000"/>
-                </a:solidFill>
-                <a:effectLst/>
-                <a:latin typeface="Courier New" panose="02070309020205020404" pitchFamily="49" charset="0"/>
-                <a:ea typeface="Calibri" panose="020F0502020204030204" pitchFamily="34" charset="0"/>
-                <a:cs typeface="Courier New" panose="02070309020205020404" pitchFamily="49" charset="0"/>
-              </a:rPr>
-              <a:t>: NONESCOST, Alumni &amp; Employer</a:t>
-            </a:r>
-            <a:endParaRPr kumimoji="0" lang="en-PH" sz="3600" b="0" i="0" u="none" strike="noStrike" cap="none" spc="0" normalizeH="0" baseline="0" dirty="0">
+            <a:endParaRPr kumimoji="0" lang="en-US" sz="1600" b="0" i="0" u="none" strike="noStrike" cap="none" spc="0" normalizeH="0" baseline="0" dirty="0">
               <a:ln>
                 <a:noFill/>
               </a:ln>
@@ -4785,30 +4537,126 @@
               </a:solidFill>
               <a:effectLst/>
               <a:uFillTx/>
-              <a:latin typeface="+mn-lt"/>
-              <a:ea typeface="+mn-ea"/>
-              <a:cs typeface="+mn-cs"/>
+              <a:latin typeface="Courier New" panose="02070309020205020404" pitchFamily="49" charset="0"/>
+              <a:cs typeface="Courier New" panose="02070309020205020404" pitchFamily="49" charset="0"/>
               <a:sym typeface="Helvetica Neue"/>
+            </a:endParaRPr>
+          </a:p>
+        </p:txBody>
+      </p:sp>
+      <p:pic>
+        <p:nvPicPr>
+          <p:cNvPr id="6" name="Picture 5"/>
+          <p:cNvPicPr/>
+          <p:nvPr/>
+        </p:nvPicPr>
+        <p:blipFill>
+          <a:blip r:embed="rId2"/>
+          <a:stretch>
+            <a:fillRect/>
+          </a:stretch>
+        </p:blipFill>
+        <p:spPr>
+          <a:xfrm>
+            <a:off x="1097281" y="1441767"/>
+            <a:ext cx="8189595" cy="5178489"/>
+          </a:xfrm>
+          <a:prstGeom prst="rect">
+            <a:avLst/>
+          </a:prstGeom>
+        </p:spPr>
+      </p:pic>
+    </p:spTree>
+    <p:extLst>
+      <p:ext uri="{BB962C8B-B14F-4D97-AF65-F5344CB8AC3E}">
+        <p14:creationId xmlns:p14="http://schemas.microsoft.com/office/powerpoint/2010/main" val="2314321783"/>
+      </p:ext>
+    </p:extLst>
+  </p:cSld>
+  <p:clrMapOvr>
+    <a:masterClrMapping/>
+  </p:clrMapOvr>
+  <p:transition spd="med"/>
+  <p:timing>
+    <p:tnLst>
+      <p:par>
+        <p:cTn id="1" dur="indefinite" restart="never" nodeType="tmRoot"/>
+      </p:par>
+    </p:tnLst>
+  </p:timing>
+</p:sld>
+</file>
+
+<file path=ppt/slides/slide11.xml><?xml version="1.0" encoding="utf-8"?>
+<p:sld xmlns:a="http://schemas.openxmlformats.org/drawingml/2006/main" xmlns:r="http://schemas.openxmlformats.org/officeDocument/2006/relationships" xmlns:p="http://schemas.openxmlformats.org/presentationml/2006/main">
+  <p:cSld>
+    <p:spTree>
+      <p:nvGrpSpPr>
+        <p:cNvPr id="1" name=""/>
+        <p:cNvGrpSpPr/>
+        <p:nvPr/>
+      </p:nvGrpSpPr>
+      <p:grpSpPr>
+        <a:xfrm>
+          <a:off x="0" y="0"/>
+          <a:ext cx="0" cy="0"/>
+          <a:chOff x="0" y="0"/>
+          <a:chExt cx="0" cy="0"/>
+        </a:xfrm>
+      </p:grpSpPr>
+      <p:sp>
+        <p:nvSpPr>
+          <p:cNvPr id="5" name="Text Placeholder 2"/>
+          <p:cNvSpPr>
+            <a:spLocks noGrp="1"/>
+          </p:cNvSpPr>
+          <p:nvPr>
+            <p:ph type="body" sz="quarter" idx="1"/>
+          </p:nvPr>
+        </p:nvSpPr>
+        <p:spPr>
+          <a:xfrm>
+            <a:off x="1097281" y="333747"/>
+            <a:ext cx="11028812" cy="1817757"/>
+          </a:xfrm>
+        </p:spPr>
+        <p:txBody>
+          <a:bodyPr>
+            <a:normAutofit/>
+          </a:bodyPr>
+          <a:lstStyle/>
+          <a:p>
+            <a:pPr algn="just"/>
+            <a:r>
+              <a:rPr lang="en-US" sz="4800" dirty="0" smtClean="0">
+                <a:solidFill>
+                  <a:schemeClr val="tx2">
+                    <a:lumMod val="50000"/>
+                  </a:schemeClr>
+                </a:solidFill>
+              </a:rPr>
+              <a:t>Data Flow Diagram</a:t>
+            </a:r>
+            <a:endParaRPr lang="en-US" sz="4800" dirty="0">
+              <a:solidFill>
+                <a:schemeClr val="tx2">
+                  <a:lumMod val="50000"/>
+                </a:schemeClr>
+              </a:solidFill>
             </a:endParaRPr>
           </a:p>
         </p:txBody>
       </p:sp>
       <p:sp>
         <p:nvSpPr>
-          <p:cNvPr id="7" name="TextBox 6">
-            <a:extLst>
-              <a:ext uri="{FF2B5EF4-FFF2-40B4-BE49-F238E27FC236}">
-                <a16:creationId xmlns:a16="http://schemas.microsoft.com/office/drawing/2014/main" id="{7EDB16EB-C941-DF0A-8CBD-A62E1302024D}"/>
-              </a:ext>
-            </a:extLst>
-          </p:cNvPr>
+          <p:cNvPr id="2" name="TextBox 1"/>
           <p:cNvSpPr txBox="1"/>
           <p:nvPr/>
         </p:nvSpPr>
         <p:spPr>
           <a:xfrm>
-            <a:off x="548638" y="3994507"/>
-            <a:ext cx="11198307" cy="1764586"/>
+            <a:off x="8029580" y="2181600"/>
+            <a:ext cx="4852417" cy="4103688"/>
           </a:xfrm>
           <a:prstGeom prst="rect">
             <a:avLst/>
@@ -4839,154 +4687,84 @@
           </a:bodyPr>
           <a:lstStyle/>
           <a:p>
-            <a:pPr marL="571500" marR="0" indent="-571500" algn="l" defTabSz="1733930" rtl="0" fontAlgn="auto" latinLnBrk="0" hangingPunct="0">
-              <a:lnSpc>
-                <a:spcPct val="100000"/>
-              </a:lnSpc>
-              <a:spcBef>
-                <a:spcPts val="0"/>
-              </a:spcBef>
-              <a:spcAft>
-                <a:spcPts val="0"/>
-              </a:spcAft>
-              <a:buClrTx/>
-              <a:buSzTx/>
-              <a:buFont typeface="Arial" panose="020B0604020202020204" pitchFamily="34" charset="0"/>
-              <a:buChar char="•"/>
-              <a:tabLst/>
-            </a:pPr>
+            <a:pPr algn="just"/>
             <a:r>
-              <a:rPr lang="en-US" sz="3600" b="0" dirty="0">
+              <a:rPr lang="en-US" sz="2000" dirty="0" smtClean="0">
                 <a:solidFill>
                   <a:srgbClr val="000000"/>
                 </a:solidFill>
                 <a:latin typeface="Courier New" panose="02070309020205020404" pitchFamily="49" charset="0"/>
                 <a:cs typeface="Courier New" panose="02070309020205020404" pitchFamily="49" charset="0"/>
               </a:rPr>
-              <a:t>sets apart from other alumni tracker systems that may rely on manual processes or limited data analysis</a:t>
-            </a:r>
-            <a:endParaRPr kumimoji="0" lang="en-PH" sz="3600" u="none" strike="noStrike" cap="none" spc="0" normalizeH="0" baseline="0" dirty="0">
-              <a:ln>
-                <a:noFill/>
-              </a:ln>
-              <a:solidFill>
-                <a:srgbClr val="000000"/>
-              </a:solidFill>
-              <a:effectLst/>
-              <a:uFillTx/>
-              <a:latin typeface="+mn-lt"/>
-              <a:ea typeface="+mn-ea"/>
-              <a:cs typeface="+mn-cs"/>
-              <a:sym typeface="Helvetica Neue"/>
-            </a:endParaRPr>
-          </a:p>
-        </p:txBody>
-      </p:sp>
-      <p:sp>
-        <p:nvSpPr>
-          <p:cNvPr id="8" name="TextBox 7">
-            <a:extLst>
-              <a:ext uri="{FF2B5EF4-FFF2-40B4-BE49-F238E27FC236}">
-                <a16:creationId xmlns:a16="http://schemas.microsoft.com/office/drawing/2014/main" id="{A06346DB-5DE3-C60B-1E4D-B3A88BD5C1CB}"/>
-              </a:ext>
-            </a:extLst>
-          </p:cNvPr>
-          <p:cNvSpPr txBox="1"/>
-          <p:nvPr/>
-        </p:nvSpPr>
-        <p:spPr>
-          <a:xfrm>
-            <a:off x="548638" y="5902934"/>
-            <a:ext cx="11198307" cy="1210588"/>
-          </a:xfrm>
-          <a:prstGeom prst="rect">
-            <a:avLst/>
-          </a:prstGeom>
-          <a:noFill/>
-          <a:ln w="12700" cap="flat">
-            <a:noFill/>
-            <a:miter lim="400000"/>
-          </a:ln>
-          <a:effectLst/>
-          <a:sp3d/>
-        </p:spPr>
-        <p:style>
-          <a:lnRef idx="0">
-            <a:scrgbClr r="0" g="0" b="0"/>
-          </a:lnRef>
-          <a:fillRef idx="0">
-            <a:scrgbClr r="0" g="0" b="0"/>
-          </a:fillRef>
-          <a:effectRef idx="0">
-            <a:scrgbClr r="0" g="0" b="0"/>
-          </a:effectRef>
-          <a:fontRef idx="none"/>
-        </p:style>
-        <p:txBody>
-          <a:bodyPr rot="0" spcFirstLastPara="1" vertOverflow="overflow" horzOverflow="overflow" vert="horz" wrap="square" lIns="50800" tIns="50800" rIns="50800" bIns="50800" numCol="1" spcCol="38100" rtlCol="0" anchor="ctr">
-            <a:spAutoFit/>
-          </a:bodyPr>
-          <a:lstStyle/>
-          <a:p>
-            <a:pPr marL="571500" marR="0" indent="-571500" algn="l" defTabSz="1733930" rtl="0" fontAlgn="auto" latinLnBrk="0" hangingPunct="0">
-              <a:lnSpc>
-                <a:spcPct val="100000"/>
-              </a:lnSpc>
-              <a:spcBef>
-                <a:spcPts val="0"/>
-              </a:spcBef>
-              <a:spcAft>
-                <a:spcPts val="0"/>
-              </a:spcAft>
-              <a:buClrTx/>
-              <a:buSzTx/>
-              <a:buFont typeface="Arial" panose="020B0604020202020204" pitchFamily="34" charset="0"/>
-              <a:buChar char="•"/>
-              <a:tabLst/>
-            </a:pPr>
-            <a:r>
-              <a:rPr lang="en-US" sz="3600" dirty="0">
-                <a:solidFill>
-                  <a:srgbClr val="000000"/>
-                </a:solidFill>
-                <a:effectLst/>
-                <a:latin typeface="Courier New" panose="02070309020205020404" pitchFamily="49" charset="0"/>
-                <a:ea typeface="Calibri" panose="020F0502020204030204" pitchFamily="34" charset="0"/>
-                <a:cs typeface="Courier New" panose="02070309020205020404" pitchFamily="49" charset="0"/>
-              </a:rPr>
-              <a:t>Match </a:t>
+              <a:t>The figure illustrates </a:t>
             </a:r>
             <a:r>
-              <a:rPr lang="en-US" sz="3600" b="0" dirty="0">
+              <a:rPr lang="en-US" sz="2000" dirty="0">
                 <a:solidFill>
                   <a:srgbClr val="000000"/>
                 </a:solidFill>
                 <a:latin typeface="Courier New" panose="02070309020205020404" pitchFamily="49" charset="0"/>
                 <a:cs typeface="Courier New" panose="02070309020205020404" pitchFamily="49" charset="0"/>
               </a:rPr>
-              <a:t>alumni with job openings using AI</a:t>
+              <a:t>how information is processed within the system, including where it comes from, how it is transformed, and where it is stored. The purpose of the Data Flow Diagram is to depict the system's scope and boundaries, and it can be used as a tool for communication between the systems analyst and stakeholders involved in the system's redesign</a:t>
             </a:r>
-            <a:endParaRPr kumimoji="0" lang="en-PH" sz="3600" u="none" strike="noStrike" cap="none" spc="0" normalizeH="0" baseline="0" dirty="0">
-              <a:ln>
-                <a:noFill/>
-              </a:ln>
+            <a:r>
+              <a:rPr lang="en-US" sz="2000" dirty="0" smtClean="0">
+                <a:solidFill>
+                  <a:srgbClr val="000000"/>
+                </a:solidFill>
+                <a:latin typeface="Courier New" panose="02070309020205020404" pitchFamily="49" charset="0"/>
+                <a:cs typeface="Courier New" panose="02070309020205020404" pitchFamily="49" charset="0"/>
+              </a:rPr>
+              <a:t>.</a:t>
+            </a:r>
+            <a:endParaRPr lang="en-US" sz="2000" dirty="0">
               <a:solidFill>
                 <a:srgbClr val="000000"/>
               </a:solidFill>
-              <a:effectLst/>
-              <a:uFillTx/>
-              <a:latin typeface="+mn-lt"/>
-              <a:ea typeface="+mn-ea"/>
-              <a:cs typeface="+mn-cs"/>
-              <a:sym typeface="Helvetica Neue"/>
+              <a:latin typeface="Courier New" panose="02070309020205020404" pitchFamily="49" charset="0"/>
+              <a:cs typeface="Courier New" panose="02070309020205020404" pitchFamily="49" charset="0"/>
             </a:endParaRPr>
           </a:p>
         </p:txBody>
       </p:sp>
+      <p:pic>
+        <p:nvPicPr>
+          <p:cNvPr id="7" name="Picture 6"/>
+          <p:cNvPicPr/>
+          <p:nvPr/>
+        </p:nvPicPr>
+        <p:blipFill>
+          <a:blip r:embed="rId2">
+            <a:extLst>
+              <a:ext uri="{28A0092B-C50C-407E-A947-70E740481C1C}">
+                <a14:useLocalDpi xmlns:a14="http://schemas.microsoft.com/office/drawing/2010/main" val="0"/>
+              </a:ext>
+            </a:extLst>
+          </a:blip>
+          <a:srcRect/>
+          <a:stretch>
+            <a:fillRect/>
+          </a:stretch>
+        </p:blipFill>
+        <p:spPr bwMode="auto">
+          <a:xfrm>
+            <a:off x="880176" y="2151504"/>
+            <a:ext cx="6812975" cy="6638928"/>
+          </a:xfrm>
+          <a:prstGeom prst="rect">
+            <a:avLst/>
+          </a:prstGeom>
+          <a:noFill/>
+          <a:ln>
+            <a:noFill/>
+          </a:ln>
+        </p:spPr>
+      </p:pic>
     </p:spTree>
     <p:extLst>
       <p:ext uri="{BB962C8B-B14F-4D97-AF65-F5344CB8AC3E}">
-        <p14:creationId xmlns:p14="http://schemas.microsoft.com/office/powerpoint/2010/main" val="2221923170"/>
+        <p14:creationId xmlns:p14="http://schemas.microsoft.com/office/powerpoint/2010/main" val="2502058510"/>
       </p:ext>
     </p:extLst>
   </p:cSld>
@@ -4994,10 +4772,348 @@
     <a:masterClrMapping/>
   </p:clrMapOvr>
   <p:transition spd="med"/>
+  <p:timing>
+    <p:tnLst>
+      <p:par>
+        <p:cTn id="1" dur="indefinite" restart="never" nodeType="tmRoot"/>
+      </p:par>
+    </p:tnLst>
+  </p:timing>
 </p:sld>
 </file>
 
-<file path=ppt/slides/slide3.xml><?xml version="1.0" encoding="utf-8"?>
+<file path=ppt/slides/slide12.xml><?xml version="1.0" encoding="utf-8"?>
+<p:sld xmlns:a="http://schemas.openxmlformats.org/drawingml/2006/main" xmlns:r="http://schemas.openxmlformats.org/officeDocument/2006/relationships" xmlns:p="http://schemas.openxmlformats.org/presentationml/2006/main">
+  <p:cSld>
+    <p:spTree>
+      <p:nvGrpSpPr>
+        <p:cNvPr id="1" name=""/>
+        <p:cNvGrpSpPr/>
+        <p:nvPr/>
+      </p:nvGrpSpPr>
+      <p:grpSpPr>
+        <a:xfrm>
+          <a:off x="0" y="0"/>
+          <a:ext cx="0" cy="0"/>
+          <a:chOff x="0" y="0"/>
+          <a:chExt cx="0" cy="0"/>
+        </a:xfrm>
+      </p:grpSpPr>
+      <p:sp>
+        <p:nvSpPr>
+          <p:cNvPr id="5" name="Text Placeholder 2"/>
+          <p:cNvSpPr>
+            <a:spLocks noGrp="1"/>
+          </p:cNvSpPr>
+          <p:nvPr>
+            <p:ph type="body" sz="quarter" idx="1"/>
+          </p:nvPr>
+        </p:nvSpPr>
+        <p:spPr>
+          <a:xfrm>
+            <a:off x="1097281" y="333747"/>
+            <a:ext cx="11028812" cy="1817757"/>
+          </a:xfrm>
+        </p:spPr>
+        <p:txBody>
+          <a:bodyPr>
+            <a:normAutofit/>
+          </a:bodyPr>
+          <a:lstStyle/>
+          <a:p>
+            <a:pPr algn="just"/>
+            <a:r>
+              <a:rPr lang="en-US" sz="4800" dirty="0" smtClean="0">
+                <a:solidFill>
+                  <a:schemeClr val="tx2">
+                    <a:lumMod val="50000"/>
+                  </a:schemeClr>
+                </a:solidFill>
+              </a:rPr>
+              <a:t>Entity Relationship Diagram</a:t>
+            </a:r>
+            <a:endParaRPr lang="en-US" sz="4800" dirty="0">
+              <a:solidFill>
+                <a:schemeClr val="tx2">
+                  <a:lumMod val="50000"/>
+                </a:schemeClr>
+              </a:solidFill>
+            </a:endParaRPr>
+          </a:p>
+        </p:txBody>
+      </p:sp>
+      <p:pic>
+        <p:nvPicPr>
+          <p:cNvPr id="6" name="Picture 5"/>
+          <p:cNvPicPr/>
+          <p:nvPr/>
+        </p:nvPicPr>
+        <p:blipFill>
+          <a:blip r:embed="rId2" cstate="print">
+            <a:extLst>
+              <a:ext uri="{28A0092B-C50C-407E-A947-70E740481C1C}">
+                <a14:useLocalDpi xmlns:a14="http://schemas.microsoft.com/office/drawing/2010/main" val="0"/>
+              </a:ext>
+            </a:extLst>
+          </a:blip>
+          <a:srcRect/>
+          <a:stretch>
+            <a:fillRect/>
+          </a:stretch>
+        </p:blipFill>
+        <p:spPr bwMode="auto">
+          <a:xfrm>
+            <a:off x="1097280" y="1791462"/>
+            <a:ext cx="8753855" cy="5987034"/>
+          </a:xfrm>
+          <a:prstGeom prst="rect">
+            <a:avLst/>
+          </a:prstGeom>
+          <a:noFill/>
+          <a:ln>
+            <a:noFill/>
+          </a:ln>
+        </p:spPr>
+      </p:pic>
+    </p:spTree>
+    <p:extLst>
+      <p:ext uri="{BB962C8B-B14F-4D97-AF65-F5344CB8AC3E}">
+        <p14:creationId xmlns:p14="http://schemas.microsoft.com/office/powerpoint/2010/main" val="1559520672"/>
+      </p:ext>
+    </p:extLst>
+  </p:cSld>
+  <p:clrMapOvr>
+    <a:masterClrMapping/>
+  </p:clrMapOvr>
+  <p:transition spd="med"/>
+  <p:timing>
+    <p:tnLst>
+      <p:par>
+        <p:cTn id="1" dur="indefinite" restart="never" nodeType="tmRoot"/>
+      </p:par>
+    </p:tnLst>
+  </p:timing>
+</p:sld>
+</file>
+
+<file path=ppt/slides/slide13.xml><?xml version="1.0" encoding="utf-8"?>
+<p:sld xmlns:a="http://schemas.openxmlformats.org/drawingml/2006/main" xmlns:r="http://schemas.openxmlformats.org/officeDocument/2006/relationships" xmlns:p="http://schemas.openxmlformats.org/presentationml/2006/main">
+  <p:cSld>
+    <p:spTree>
+      <p:nvGrpSpPr>
+        <p:cNvPr id="1" name=""/>
+        <p:cNvGrpSpPr/>
+        <p:nvPr/>
+      </p:nvGrpSpPr>
+      <p:grpSpPr>
+        <a:xfrm>
+          <a:off x="0" y="0"/>
+          <a:ext cx="0" cy="0"/>
+          <a:chOff x="0" y="0"/>
+          <a:chExt cx="0" cy="0"/>
+        </a:xfrm>
+      </p:grpSpPr>
+      <p:sp>
+        <p:nvSpPr>
+          <p:cNvPr id="5" name="Text Placeholder 2"/>
+          <p:cNvSpPr>
+            <a:spLocks noGrp="1"/>
+          </p:cNvSpPr>
+          <p:nvPr>
+            <p:ph type="body" sz="quarter" idx="1"/>
+          </p:nvPr>
+        </p:nvSpPr>
+        <p:spPr>
+          <a:xfrm>
+            <a:off x="1097281" y="333747"/>
+            <a:ext cx="11028812" cy="1817757"/>
+          </a:xfrm>
+        </p:spPr>
+        <p:txBody>
+          <a:bodyPr>
+            <a:normAutofit/>
+          </a:bodyPr>
+          <a:lstStyle/>
+          <a:p>
+            <a:pPr algn="just"/>
+            <a:r>
+              <a:rPr lang="en-US" sz="4800" dirty="0" smtClean="0">
+                <a:solidFill>
+                  <a:schemeClr val="tx2">
+                    <a:lumMod val="50000"/>
+                  </a:schemeClr>
+                </a:solidFill>
+              </a:rPr>
+              <a:t>Application Architecture</a:t>
+            </a:r>
+            <a:endParaRPr lang="en-US" sz="4800" dirty="0">
+              <a:solidFill>
+                <a:schemeClr val="tx2">
+                  <a:lumMod val="50000"/>
+                </a:schemeClr>
+              </a:solidFill>
+            </a:endParaRPr>
+          </a:p>
+        </p:txBody>
+      </p:sp>
+      <p:pic>
+        <p:nvPicPr>
+          <p:cNvPr id="4" name="Picture 3"/>
+          <p:cNvPicPr/>
+          <p:nvPr/>
+        </p:nvPicPr>
+        <p:blipFill>
+          <a:blip r:embed="rId2">
+            <a:extLst>
+              <a:ext uri="{28A0092B-C50C-407E-A947-70E740481C1C}">
+                <a14:useLocalDpi xmlns:a14="http://schemas.microsoft.com/office/drawing/2010/main" val="0"/>
+              </a:ext>
+            </a:extLst>
+          </a:blip>
+          <a:srcRect/>
+          <a:stretch>
+            <a:fillRect/>
+          </a:stretch>
+        </p:blipFill>
+        <p:spPr bwMode="auto">
+          <a:xfrm>
+            <a:off x="1097281" y="1559115"/>
+            <a:ext cx="9936479" cy="4914837"/>
+          </a:xfrm>
+          <a:prstGeom prst="rect">
+            <a:avLst/>
+          </a:prstGeom>
+          <a:noFill/>
+          <a:ln>
+            <a:noFill/>
+          </a:ln>
+        </p:spPr>
+      </p:pic>
+    </p:spTree>
+    <p:extLst>
+      <p:ext uri="{BB962C8B-B14F-4D97-AF65-F5344CB8AC3E}">
+        <p14:creationId xmlns:p14="http://schemas.microsoft.com/office/powerpoint/2010/main" val="17748430"/>
+      </p:ext>
+    </p:extLst>
+  </p:cSld>
+  <p:clrMapOvr>
+    <a:masterClrMapping/>
+  </p:clrMapOvr>
+  <p:transition spd="med"/>
+  <p:timing>
+    <p:tnLst>
+      <p:par>
+        <p:cTn id="1" dur="indefinite" restart="never" nodeType="tmRoot"/>
+      </p:par>
+    </p:tnLst>
+  </p:timing>
+</p:sld>
+</file>
+
+<file path=ppt/slides/slide14.xml><?xml version="1.0" encoding="utf-8"?>
+<p:sld xmlns:a="http://schemas.openxmlformats.org/drawingml/2006/main" xmlns:r="http://schemas.openxmlformats.org/officeDocument/2006/relationships" xmlns:p="http://schemas.openxmlformats.org/presentationml/2006/main">
+  <p:cSld>
+    <p:spTree>
+      <p:nvGrpSpPr>
+        <p:cNvPr id="1" name=""/>
+        <p:cNvGrpSpPr/>
+        <p:nvPr/>
+      </p:nvGrpSpPr>
+      <p:grpSpPr>
+        <a:xfrm>
+          <a:off x="0" y="0"/>
+          <a:ext cx="0" cy="0"/>
+          <a:chOff x="0" y="0"/>
+          <a:chExt cx="0" cy="0"/>
+        </a:xfrm>
+      </p:grpSpPr>
+      <p:sp>
+        <p:nvSpPr>
+          <p:cNvPr id="5" name="Text Placeholder 2"/>
+          <p:cNvSpPr>
+            <a:spLocks noGrp="1"/>
+          </p:cNvSpPr>
+          <p:nvPr>
+            <p:ph type="body" sz="quarter" idx="1"/>
+          </p:nvPr>
+        </p:nvSpPr>
+        <p:spPr>
+          <a:xfrm>
+            <a:off x="1097281" y="333747"/>
+            <a:ext cx="11028812" cy="1817757"/>
+          </a:xfrm>
+        </p:spPr>
+        <p:txBody>
+          <a:bodyPr>
+            <a:normAutofit/>
+          </a:bodyPr>
+          <a:lstStyle/>
+          <a:p>
+            <a:pPr algn="just"/>
+            <a:r>
+              <a:rPr lang="en-US" sz="4800" dirty="0" smtClean="0">
+                <a:solidFill>
+                  <a:schemeClr val="tx2">
+                    <a:lumMod val="50000"/>
+                  </a:schemeClr>
+                </a:solidFill>
+              </a:rPr>
+              <a:t>Use-Case Diagram</a:t>
+            </a:r>
+            <a:endParaRPr lang="en-US" sz="4800" dirty="0">
+              <a:solidFill>
+                <a:schemeClr val="tx2">
+                  <a:lumMod val="50000"/>
+                </a:schemeClr>
+              </a:solidFill>
+            </a:endParaRPr>
+          </a:p>
+        </p:txBody>
+      </p:sp>
+      <p:pic>
+        <p:nvPicPr>
+          <p:cNvPr id="6" name="Picture 5"/>
+          <p:cNvPicPr/>
+          <p:nvPr/>
+        </p:nvPicPr>
+        <p:blipFill>
+          <a:blip r:embed="rId2"/>
+          <a:stretch>
+            <a:fillRect/>
+          </a:stretch>
+        </p:blipFill>
+        <p:spPr>
+          <a:xfrm>
+            <a:off x="1097281" y="1864232"/>
+            <a:ext cx="5827775" cy="6340983"/>
+          </a:xfrm>
+          <a:prstGeom prst="rect">
+            <a:avLst/>
+          </a:prstGeom>
+        </p:spPr>
+      </p:pic>
+    </p:spTree>
+    <p:extLst>
+      <p:ext uri="{BB962C8B-B14F-4D97-AF65-F5344CB8AC3E}">
+        <p14:creationId xmlns:p14="http://schemas.microsoft.com/office/powerpoint/2010/main" val="945711241"/>
+      </p:ext>
+    </p:extLst>
+  </p:cSld>
+  <p:clrMapOvr>
+    <a:masterClrMapping/>
+  </p:clrMapOvr>
+  <p:transition spd="med"/>
+  <p:timing>
+    <p:tnLst>
+      <p:par>
+        <p:cTn id="1" dur="indefinite" restart="never" nodeType="tmRoot"/>
+      </p:par>
+    </p:tnLst>
+  </p:timing>
+</p:sld>
+</file>
+
+<file path=ppt/slides/slide2.xml><?xml version="1.0" encoding="utf-8"?>
 <p:sld xmlns:a="http://schemas.openxmlformats.org/drawingml/2006/main" xmlns:r="http://schemas.openxmlformats.org/officeDocument/2006/relationships" xmlns:p="http://schemas.openxmlformats.org/presentationml/2006/main">
   <p:cSld>
     <p:spTree>
@@ -5048,7 +5164,7 @@
           <p:cNvPr id="4" name="Title 1">
             <a:extLst>
               <a:ext uri="{FF2B5EF4-FFF2-40B4-BE49-F238E27FC236}">
-                <a16:creationId xmlns:a16="http://schemas.microsoft.com/office/drawing/2014/main" id="{A26F0290-D9F2-E47C-81A7-F3EFFD608E54}"/>
+                <a16:creationId xmlns:a16="http://schemas.microsoft.com/office/drawing/2014/main" xmlns="" id="{A26F0290-D9F2-E47C-81A7-F3EFFD608E54}"/>
               </a:ext>
             </a:extLst>
           </p:cNvPr>
@@ -5115,10 +5231,17 @@
     <a:masterClrMapping/>
   </p:clrMapOvr>
   <p:transition spd="med"/>
+  <p:timing>
+    <p:tnLst>
+      <p:par>
+        <p:cTn id="1" dur="indefinite" restart="never" nodeType="tmRoot"/>
+      </p:par>
+    </p:tnLst>
+  </p:timing>
 </p:sld>
 </file>
 
-<file path=ppt/slides/slide4.xml><?xml version="1.0" encoding="utf-8"?>
+<file path=ppt/slides/slide3.xml><?xml version="1.0" encoding="utf-8"?>
 <p:sld xmlns:a="http://schemas.openxmlformats.org/drawingml/2006/main" xmlns:r="http://schemas.openxmlformats.org/officeDocument/2006/relationships" xmlns:p="http://schemas.openxmlformats.org/presentationml/2006/main">
   <p:cSld>
     <p:spTree>
@@ -5186,7 +5309,7 @@
           <p:cNvPr id="6" name="Title 1">
             <a:extLst>
               <a:ext uri="{FF2B5EF4-FFF2-40B4-BE49-F238E27FC236}">
-                <a16:creationId xmlns:a16="http://schemas.microsoft.com/office/drawing/2014/main" id="{28295CF5-1EB0-C49E-6BD1-724FE89BBFF9}"/>
+                <a16:creationId xmlns:a16="http://schemas.microsoft.com/office/drawing/2014/main" xmlns="" id="{28295CF5-1EB0-C49E-6BD1-724FE89BBFF9}"/>
               </a:ext>
             </a:extLst>
           </p:cNvPr>
@@ -5221,12 +5344,26 @@
               </a:rPr>
               <a:t>1. Design a system that will manage the following data of NONESCOST Alumni:</a:t>
             </a:r>
+            <a:r>
+              <a:rPr lang="en-US" sz="4400" b="0" dirty="0">
+                <a:latin typeface="Courier New" panose="02070309020205020404" pitchFamily="49" charset="0"/>
+                <a:cs typeface="Courier New" panose="02070309020205020404" pitchFamily="49" charset="0"/>
+              </a:rPr>
+              <a:t/>
+            </a:r>
             <a:br>
               <a:rPr lang="en-US" sz="4400" b="0" dirty="0">
                 <a:latin typeface="Courier New" panose="02070309020205020404" pitchFamily="49" charset="0"/>
                 <a:cs typeface="Courier New" panose="02070309020205020404" pitchFamily="49" charset="0"/>
               </a:rPr>
             </a:br>
+            <a:r>
+              <a:rPr lang="en-US" sz="4400" b="0" dirty="0">
+                <a:latin typeface="Courier New" panose="02070309020205020404" pitchFamily="49" charset="0"/>
+                <a:cs typeface="Courier New" panose="02070309020205020404" pitchFamily="49" charset="0"/>
+              </a:rPr>
+              <a:t/>
+            </a:r>
             <a:br>
               <a:rPr lang="en-US" sz="4400" b="0" dirty="0">
                 <a:latin typeface="Courier New" panose="02070309020205020404" pitchFamily="49" charset="0"/>
@@ -5297,10 +5434,17 @@
     <a:masterClrMapping/>
   </p:clrMapOvr>
   <p:transition spd="med"/>
+  <p:timing>
+    <p:tnLst>
+      <p:par>
+        <p:cTn id="1" dur="indefinite" restart="never" nodeType="tmRoot"/>
+      </p:par>
+    </p:tnLst>
+  </p:timing>
 </p:sld>
 </file>
 
-<file path=ppt/slides/slide5.xml><?xml version="1.0" encoding="utf-8"?>
+<file path=ppt/slides/slide4.xml><?xml version="1.0" encoding="utf-8"?>
 <p:sld xmlns:a="http://schemas.openxmlformats.org/drawingml/2006/main" xmlns:r="http://schemas.openxmlformats.org/officeDocument/2006/relationships" xmlns:p="http://schemas.openxmlformats.org/presentationml/2006/main">
   <p:cSld>
     <p:spTree>
@@ -5368,7 +5512,7 @@
           <p:cNvPr id="2" name="TextBox 1">
             <a:extLst>
               <a:ext uri="{FF2B5EF4-FFF2-40B4-BE49-F238E27FC236}">
-                <a16:creationId xmlns:a16="http://schemas.microsoft.com/office/drawing/2014/main" id="{19A90E89-DFBE-2761-4554-93FE678F73D9}"/>
+                <a16:creationId xmlns:a16="http://schemas.microsoft.com/office/drawing/2014/main" xmlns="" id="{19A90E89-DFBE-2761-4554-93FE678F73D9}"/>
               </a:ext>
             </a:extLst>
           </p:cNvPr>
@@ -5423,6 +5567,16 @@
           </a:p>
           <a:p>
             <a:pPr lvl="5" indent="0" algn="l"/>
+            <a:r>
+              <a:rPr lang="en-US" sz="3200" b="0" dirty="0">
+                <a:solidFill>
+                  <a:srgbClr val="000000"/>
+                </a:solidFill>
+                <a:latin typeface="Courier New" panose="02070309020205020404" pitchFamily="49" charset="0"/>
+                <a:cs typeface="Courier New" panose="02070309020205020404" pitchFamily="49" charset="0"/>
+              </a:rPr>
+              <a:t/>
+            </a:r>
             <a:br>
               <a:rPr lang="en-US" sz="3200" b="0" dirty="0">
                 <a:solidFill>
@@ -5549,10 +5703,17 @@
     <a:masterClrMapping/>
   </p:clrMapOvr>
   <p:transition spd="med"/>
+  <p:timing>
+    <p:tnLst>
+      <p:par>
+        <p:cTn id="1" dur="indefinite" restart="never" nodeType="tmRoot"/>
+      </p:par>
+    </p:tnLst>
+  </p:timing>
 </p:sld>
 </file>
 
-<file path=ppt/slides/slide6.xml><?xml version="1.0" encoding="utf-8"?>
+<file path=ppt/slides/slide5.xml><?xml version="1.0" encoding="utf-8"?>
 <p:sld xmlns:a="http://schemas.openxmlformats.org/drawingml/2006/main" xmlns:r="http://schemas.openxmlformats.org/officeDocument/2006/relationships" xmlns:p="http://schemas.openxmlformats.org/presentationml/2006/main">
   <p:cSld>
     <p:spTree>
@@ -5620,7 +5781,7 @@
           <p:cNvPr id="2" name="TextBox 1">
             <a:extLst>
               <a:ext uri="{FF2B5EF4-FFF2-40B4-BE49-F238E27FC236}">
-                <a16:creationId xmlns:a16="http://schemas.microsoft.com/office/drawing/2014/main" id="{19A90E89-DFBE-2761-4554-93FE678F73D9}"/>
+                <a16:creationId xmlns:a16="http://schemas.microsoft.com/office/drawing/2014/main" xmlns="" id="{19A90E89-DFBE-2761-4554-93FE678F73D9}"/>
               </a:ext>
             </a:extLst>
           </p:cNvPr>
@@ -5629,8 +5790,8 @@
         </p:nvSpPr>
         <p:spPr>
           <a:xfrm>
-            <a:off x="1097281" y="2363291"/>
-            <a:ext cx="10145343" cy="5027017"/>
+            <a:off x="1097281" y="2117070"/>
+            <a:ext cx="10145343" cy="5519460"/>
           </a:xfrm>
           <a:prstGeom prst="rect">
             <a:avLst/>
@@ -5671,6 +5832,16 @@
                 <a:cs typeface="Courier New" panose="02070309020205020404" pitchFamily="49" charset="0"/>
               </a:rPr>
               <a:t>3. Generate the following reports:</a:t>
+            </a:r>
+            <a:r>
+              <a:rPr lang="en-US" sz="3200" b="0" dirty="0">
+                <a:solidFill>
+                  <a:srgbClr val="000000"/>
+                </a:solidFill>
+                <a:latin typeface="Courier New" panose="02070309020205020404" pitchFamily="49" charset="0"/>
+                <a:cs typeface="Courier New" panose="02070309020205020404" pitchFamily="49" charset="0"/>
+              </a:rPr>
+              <a:t/>
             </a:r>
             <a:br>
               <a:rPr lang="en-US" sz="3200" b="0" dirty="0">
@@ -5718,7 +5889,36 @@
                 <a:cs typeface="Courier New" panose="02070309020205020404" pitchFamily="49" charset="0"/>
                 <a:sym typeface="Helvetica Neue"/>
               </a:rPr>
-              <a:t>b. Employer Report</a:t>
+              <a:t>b. Employer </a:t>
+            </a:r>
+            <a:r>
+              <a:rPr kumimoji="0" lang="en-US" sz="3200" i="1" u="none" strike="noStrike" cap="none" spc="0" normalizeH="0" baseline="0" dirty="0" smtClean="0">
+                <a:ln>
+                  <a:noFill/>
+                </a:ln>
+                <a:solidFill>
+                  <a:srgbClr val="000000"/>
+                </a:solidFill>
+                <a:effectLst/>
+                <a:uFillTx/>
+                <a:latin typeface="Courier New" panose="02070309020205020404" pitchFamily="49" charset="0"/>
+                <a:cs typeface="Courier New" panose="02070309020205020404" pitchFamily="49" charset="0"/>
+                <a:sym typeface="Helvetica Neue"/>
+              </a:rPr>
+              <a:t>Report</a:t>
+            </a:r>
+          </a:p>
+          <a:p>
+            <a:pPr lvl="5" indent="0" algn="l"/>
+            <a:r>
+              <a:rPr lang="en-US" sz="3200" i="1" dirty="0" smtClean="0">
+                <a:solidFill>
+                  <a:srgbClr val="000000"/>
+                </a:solidFill>
+                <a:latin typeface="Courier New" panose="02070309020205020404" pitchFamily="49" charset="0"/>
+                <a:cs typeface="Courier New" panose="02070309020205020404" pitchFamily="49" charset="0"/>
+              </a:rPr>
+              <a:t>c. Employment Rate Report</a:t>
             </a:r>
             <a:endParaRPr lang="en-PH" sz="3200" dirty="0">
               <a:solidFill>
@@ -5730,6 +5930,32 @@
           </a:p>
           <a:p>
             <a:pPr lvl="5" indent="0" algn="l"/>
+            <a:r>
+              <a:rPr lang="en-PH" sz="3200" i="1" dirty="0">
+                <a:solidFill>
+                  <a:srgbClr val="000000"/>
+                </a:solidFill>
+                <a:latin typeface="Courier New" panose="02070309020205020404" pitchFamily="49" charset="0"/>
+                <a:cs typeface="Courier New" panose="02070309020205020404" pitchFamily="49" charset="0"/>
+              </a:rPr>
+              <a:t>d</a:t>
+            </a:r>
+            <a:r>
+              <a:rPr kumimoji="0" lang="en-PH" sz="3200" i="1" u="none" strike="noStrike" cap="none" spc="0" normalizeH="0" baseline="0" dirty="0" smtClean="0">
+                <a:ln>
+                  <a:noFill/>
+                </a:ln>
+                <a:solidFill>
+                  <a:srgbClr val="000000"/>
+                </a:solidFill>
+                <a:effectLst/>
+                <a:uFillTx/>
+                <a:latin typeface="Courier New" panose="02070309020205020404" pitchFamily="49" charset="0"/>
+                <a:cs typeface="Courier New" panose="02070309020205020404" pitchFamily="49" charset="0"/>
+                <a:sym typeface="Helvetica Neue"/>
+              </a:rPr>
+              <a:t>. </a:t>
+            </a:r>
             <a:r>
               <a:rPr kumimoji="0" lang="en-PH" sz="3200" i="1" u="none" strike="noStrike" cap="none" spc="0" normalizeH="0" baseline="0" dirty="0">
                 <a:ln>
@@ -5744,7 +5970,7 @@
                 <a:cs typeface="Courier New" panose="02070309020205020404" pitchFamily="49" charset="0"/>
                 <a:sym typeface="Helvetica Neue"/>
               </a:rPr>
-              <a:t>c. Job Posting Report</a:t>
+              <a:t>Job Posting Report</a:t>
             </a:r>
           </a:p>
           <a:p>
@@ -5864,6 +6090,215 @@
     <a:masterClrMapping/>
   </p:clrMapOvr>
   <p:transition spd="med"/>
+  <p:timing>
+    <p:tnLst>
+      <p:par>
+        <p:cTn id="1" dur="indefinite" restart="never" nodeType="tmRoot"/>
+      </p:par>
+    </p:tnLst>
+  </p:timing>
+</p:sld>
+</file>
+
+<file path=ppt/slides/slide6.xml><?xml version="1.0" encoding="utf-8"?>
+<p:sld xmlns:a="http://schemas.openxmlformats.org/drawingml/2006/main" xmlns:r="http://schemas.openxmlformats.org/officeDocument/2006/relationships" xmlns:p="http://schemas.openxmlformats.org/presentationml/2006/main">
+  <p:cSld>
+    <p:spTree>
+      <p:nvGrpSpPr>
+        <p:cNvPr id="1" name=""/>
+        <p:cNvGrpSpPr/>
+        <p:nvPr/>
+      </p:nvGrpSpPr>
+      <p:grpSpPr>
+        <a:xfrm>
+          <a:off x="0" y="0"/>
+          <a:ext cx="0" cy="0"/>
+          <a:chOff x="0" y="0"/>
+          <a:chExt cx="0" cy="0"/>
+        </a:xfrm>
+      </p:grpSpPr>
+      <p:sp>
+        <p:nvSpPr>
+          <p:cNvPr id="5" name="Text Placeholder 2"/>
+          <p:cNvSpPr>
+            <a:spLocks noGrp="1"/>
+          </p:cNvSpPr>
+          <p:nvPr>
+            <p:ph type="body" sz="quarter" idx="1"/>
+          </p:nvPr>
+        </p:nvSpPr>
+        <p:spPr>
+          <a:xfrm>
+            <a:off x="1097281" y="333747"/>
+            <a:ext cx="11028812" cy="1817757"/>
+          </a:xfrm>
+        </p:spPr>
+        <p:txBody>
+          <a:bodyPr>
+            <a:normAutofit/>
+          </a:bodyPr>
+          <a:lstStyle/>
+          <a:p>
+            <a:pPr algn="just"/>
+            <a:r>
+              <a:rPr lang="en-US" sz="4800" dirty="0" smtClean="0">
+                <a:solidFill>
+                  <a:schemeClr val="tx2">
+                    <a:lumMod val="50000"/>
+                  </a:schemeClr>
+                </a:solidFill>
+              </a:rPr>
+              <a:t>Results</a:t>
+            </a:r>
+            <a:endParaRPr lang="en-US" sz="4800" dirty="0">
+              <a:solidFill>
+                <a:schemeClr val="tx2">
+                  <a:lumMod val="50000"/>
+                </a:schemeClr>
+              </a:solidFill>
+            </a:endParaRPr>
+          </a:p>
+          <a:p>
+            <a:pPr algn="just"/>
+            <a:endParaRPr lang="en-US" sz="5400" dirty="0">
+              <a:solidFill>
+                <a:schemeClr val="tx2">
+                  <a:lumMod val="50000"/>
+                </a:schemeClr>
+              </a:solidFill>
+            </a:endParaRPr>
+          </a:p>
+        </p:txBody>
+      </p:sp>
+      <p:pic>
+        <p:nvPicPr>
+          <p:cNvPr id="7" name="Picture 6"/>
+          <p:cNvPicPr>
+            <a:picLocks noChangeAspect="1"/>
+          </p:cNvPicPr>
+          <p:nvPr/>
+        </p:nvPicPr>
+        <p:blipFill>
+          <a:blip r:embed="rId2"/>
+          <a:stretch>
+            <a:fillRect/>
+          </a:stretch>
+        </p:blipFill>
+        <p:spPr>
+          <a:xfrm>
+            <a:off x="1097281" y="1242625"/>
+            <a:ext cx="6629400" cy="6829425"/>
+          </a:xfrm>
+          <a:prstGeom prst="rect">
+            <a:avLst/>
+          </a:prstGeom>
+        </p:spPr>
+      </p:pic>
+      <p:sp>
+        <p:nvSpPr>
+          <p:cNvPr id="8" name="TextBox 7"/>
+          <p:cNvSpPr txBox="1"/>
+          <p:nvPr/>
+        </p:nvSpPr>
+        <p:spPr>
+          <a:xfrm>
+            <a:off x="8022336" y="2940631"/>
+            <a:ext cx="4103757" cy="2872581"/>
+          </a:xfrm>
+          <a:prstGeom prst="rect">
+            <a:avLst/>
+          </a:prstGeom>
+          <a:noFill/>
+          <a:ln w="12700" cap="flat">
+            <a:noFill/>
+            <a:miter lim="400000"/>
+          </a:ln>
+          <a:effectLst/>
+          <a:sp3d/>
+        </p:spPr>
+        <p:style>
+          <a:lnRef idx="0">
+            <a:scrgbClr r="0" g="0" b="0"/>
+          </a:lnRef>
+          <a:fillRef idx="0">
+            <a:scrgbClr r="0" g="0" b="0"/>
+          </a:fillRef>
+          <a:effectRef idx="0">
+            <a:scrgbClr r="0" g="0" b="0"/>
+          </a:effectRef>
+          <a:fontRef idx="none"/>
+        </p:style>
+        <p:txBody>
+          <a:bodyPr rot="0" spcFirstLastPara="1" vertOverflow="overflow" horzOverflow="overflow" vert="horz" wrap="square" lIns="50800" tIns="50800" rIns="50800" bIns="50800" numCol="1" spcCol="38100" rtlCol="0" anchor="ctr">
+            <a:spAutoFit/>
+          </a:bodyPr>
+          <a:lstStyle/>
+          <a:p>
+            <a:pPr algn="just"/>
+            <a:r>
+              <a:rPr lang="en-PH" sz="2000" dirty="0" smtClean="0">
+                <a:solidFill>
+                  <a:srgbClr val="000000"/>
+                </a:solidFill>
+                <a:latin typeface="Courier New" panose="02070309020205020404" pitchFamily="49" charset="0"/>
+                <a:cs typeface="Courier New" panose="02070309020205020404" pitchFamily="49" charset="0"/>
+              </a:rPr>
+              <a:t>Table shows </a:t>
+            </a:r>
+            <a:r>
+              <a:rPr lang="en-PH" sz="2000" dirty="0">
+                <a:solidFill>
+                  <a:srgbClr val="000000"/>
+                </a:solidFill>
+                <a:latin typeface="Courier New" panose="02070309020205020404" pitchFamily="49" charset="0"/>
+                <a:cs typeface="Courier New" panose="02070309020205020404" pitchFamily="49" charset="0"/>
+              </a:rPr>
+              <a:t>the result of the IT Experts' feedback in determining the quality of the NONESCOST Alumni Tracker with Job Matching using AI Integration based on the characteristics set in the ISO 25010 Software Quality </a:t>
+            </a:r>
+            <a:r>
+              <a:rPr lang="en-PH" sz="2000" dirty="0" smtClean="0">
+                <a:solidFill>
+                  <a:srgbClr val="000000"/>
+                </a:solidFill>
+                <a:latin typeface="Courier New" panose="02070309020205020404" pitchFamily="49" charset="0"/>
+                <a:cs typeface="Courier New" panose="02070309020205020404" pitchFamily="49" charset="0"/>
+              </a:rPr>
+              <a:t>Model.</a:t>
+            </a:r>
+            <a:endParaRPr kumimoji="0" lang="en-US" sz="1600" b="0" i="0" u="none" strike="noStrike" cap="none" spc="0" normalizeH="0" baseline="0" dirty="0">
+              <a:ln>
+                <a:noFill/>
+              </a:ln>
+              <a:solidFill>
+                <a:srgbClr val="000000"/>
+              </a:solidFill>
+              <a:effectLst/>
+              <a:uFillTx/>
+              <a:latin typeface="Courier New" panose="02070309020205020404" pitchFamily="49" charset="0"/>
+              <a:cs typeface="Courier New" panose="02070309020205020404" pitchFamily="49" charset="0"/>
+              <a:sym typeface="Helvetica Neue"/>
+            </a:endParaRPr>
+          </a:p>
+        </p:txBody>
+      </p:sp>
+    </p:spTree>
+    <p:extLst>
+      <p:ext uri="{BB962C8B-B14F-4D97-AF65-F5344CB8AC3E}">
+        <p14:creationId xmlns:p14="http://schemas.microsoft.com/office/powerpoint/2010/main" val="3060184860"/>
+      </p:ext>
+    </p:extLst>
+  </p:cSld>
+  <p:clrMapOvr>
+    <a:masterClrMapping/>
+  </p:clrMapOvr>
+  <p:transition spd="med"/>
+  <p:timing>
+    <p:tnLst>
+      <p:par>
+        <p:cTn id="1" dur="indefinite" restart="never" nodeType="tmRoot"/>
+      </p:par>
+    </p:tnLst>
+  </p:timing>
 </p:sld>
 </file>
 
@@ -5926,6 +6361,357 @@
     <a:masterClrMapping/>
   </p:clrMapOvr>
   <p:transition spd="med"/>
+  <p:timing>
+    <p:tnLst>
+      <p:par>
+        <p:cTn id="1" dur="indefinite" restart="never" nodeType="tmRoot"/>
+      </p:par>
+    </p:tnLst>
+  </p:timing>
+</p:sld>
+</file>
+
+<file path=ppt/slides/slide8.xml><?xml version="1.0" encoding="utf-8"?>
+<p:sld xmlns:a="http://schemas.openxmlformats.org/drawingml/2006/main" xmlns:r="http://schemas.openxmlformats.org/officeDocument/2006/relationships" xmlns:p="http://schemas.openxmlformats.org/presentationml/2006/main">
+  <p:cSld>
+    <p:spTree>
+      <p:nvGrpSpPr>
+        <p:cNvPr id="1" name=""/>
+        <p:cNvGrpSpPr/>
+        <p:nvPr/>
+      </p:nvGrpSpPr>
+      <p:grpSpPr>
+        <a:xfrm>
+          <a:off x="0" y="0"/>
+          <a:ext cx="0" cy="0"/>
+          <a:chOff x="0" y="0"/>
+          <a:chExt cx="0" cy="0"/>
+        </a:xfrm>
+      </p:grpSpPr>
+      <p:sp>
+        <p:nvSpPr>
+          <p:cNvPr id="5" name="Text Placeholder 2"/>
+          <p:cNvSpPr>
+            <a:spLocks noGrp="1"/>
+          </p:cNvSpPr>
+          <p:nvPr>
+            <p:ph type="body" sz="quarter" idx="1"/>
+          </p:nvPr>
+        </p:nvSpPr>
+        <p:spPr>
+          <a:xfrm>
+            <a:off x="1097281" y="333747"/>
+            <a:ext cx="11028812" cy="1817757"/>
+          </a:xfrm>
+        </p:spPr>
+        <p:txBody>
+          <a:bodyPr>
+            <a:normAutofit/>
+          </a:bodyPr>
+          <a:lstStyle/>
+          <a:p>
+            <a:pPr algn="just"/>
+            <a:r>
+              <a:rPr lang="en-US" sz="4800" dirty="0" smtClean="0">
+                <a:solidFill>
+                  <a:schemeClr val="tx2">
+                    <a:lumMod val="50000"/>
+                  </a:schemeClr>
+                </a:solidFill>
+              </a:rPr>
+              <a:t>Conceptual Framework</a:t>
+            </a:r>
+            <a:endParaRPr lang="en-US" sz="4800" dirty="0">
+              <a:solidFill>
+                <a:schemeClr val="tx2">
+                  <a:lumMod val="50000"/>
+                </a:schemeClr>
+              </a:solidFill>
+            </a:endParaRPr>
+          </a:p>
+          <a:p>
+            <a:pPr algn="just"/>
+            <a:endParaRPr lang="en-US" sz="5400" dirty="0">
+              <a:solidFill>
+                <a:schemeClr val="tx2">
+                  <a:lumMod val="50000"/>
+                </a:schemeClr>
+              </a:solidFill>
+            </a:endParaRPr>
+          </a:p>
+        </p:txBody>
+      </p:sp>
+      <p:pic>
+        <p:nvPicPr>
+          <p:cNvPr id="6" name="Picture 5"/>
+          <p:cNvPicPr/>
+          <p:nvPr/>
+        </p:nvPicPr>
+        <p:blipFill>
+          <a:blip r:embed="rId2">
+            <a:extLst>
+              <a:ext uri="{28A0092B-C50C-407E-A947-70E740481C1C}">
+                <a14:useLocalDpi xmlns:a14="http://schemas.microsoft.com/office/drawing/2010/main" val="0"/>
+              </a:ext>
+            </a:extLst>
+          </a:blip>
+          <a:srcRect/>
+          <a:stretch>
+            <a:fillRect/>
+          </a:stretch>
+        </p:blipFill>
+        <p:spPr bwMode="auto">
+          <a:xfrm>
+            <a:off x="1097281" y="2151504"/>
+            <a:ext cx="8388095" cy="4776089"/>
+          </a:xfrm>
+          <a:prstGeom prst="rect">
+            <a:avLst/>
+          </a:prstGeom>
+          <a:noFill/>
+          <a:ln>
+            <a:noFill/>
+          </a:ln>
+        </p:spPr>
+      </p:pic>
+    </p:spTree>
+    <p:extLst>
+      <p:ext uri="{BB962C8B-B14F-4D97-AF65-F5344CB8AC3E}">
+        <p14:creationId xmlns:p14="http://schemas.microsoft.com/office/powerpoint/2010/main" val="2152520136"/>
+      </p:ext>
+    </p:extLst>
+  </p:cSld>
+  <p:clrMapOvr>
+    <a:masterClrMapping/>
+  </p:clrMapOvr>
+  <p:transition spd="med"/>
+  <p:timing>
+    <p:tnLst>
+      <p:par>
+        <p:cTn id="1" dur="indefinite" restart="never" nodeType="tmRoot"/>
+      </p:par>
+    </p:tnLst>
+  </p:timing>
+</p:sld>
+</file>
+
+<file path=ppt/slides/slide9.xml><?xml version="1.0" encoding="utf-8"?>
+<p:sld xmlns:a="http://schemas.openxmlformats.org/drawingml/2006/main" xmlns:r="http://schemas.openxmlformats.org/officeDocument/2006/relationships" xmlns:p="http://schemas.openxmlformats.org/presentationml/2006/main">
+  <p:cSld>
+    <p:spTree>
+      <p:nvGrpSpPr>
+        <p:cNvPr id="1" name=""/>
+        <p:cNvGrpSpPr/>
+        <p:nvPr/>
+      </p:nvGrpSpPr>
+      <p:grpSpPr>
+        <a:xfrm>
+          <a:off x="0" y="0"/>
+          <a:ext cx="0" cy="0"/>
+          <a:chOff x="0" y="0"/>
+          <a:chExt cx="0" cy="0"/>
+        </a:xfrm>
+      </p:grpSpPr>
+      <p:sp>
+        <p:nvSpPr>
+          <p:cNvPr id="5" name="Text Placeholder 2"/>
+          <p:cNvSpPr>
+            <a:spLocks noGrp="1"/>
+          </p:cNvSpPr>
+          <p:nvPr>
+            <p:ph type="body" sz="quarter" idx="1"/>
+          </p:nvPr>
+        </p:nvSpPr>
+        <p:spPr>
+          <a:xfrm>
+            <a:off x="1097281" y="333747"/>
+            <a:ext cx="11028812" cy="1817757"/>
+          </a:xfrm>
+        </p:spPr>
+        <p:txBody>
+          <a:bodyPr>
+            <a:normAutofit/>
+          </a:bodyPr>
+          <a:lstStyle/>
+          <a:p>
+            <a:pPr algn="just"/>
+            <a:r>
+              <a:rPr lang="en-US" sz="4800" dirty="0" smtClean="0">
+                <a:solidFill>
+                  <a:schemeClr val="tx2">
+                    <a:lumMod val="50000"/>
+                  </a:schemeClr>
+                </a:solidFill>
+              </a:rPr>
+              <a:t>Methodology</a:t>
+            </a:r>
+            <a:endParaRPr lang="en-US" sz="4800" dirty="0">
+              <a:solidFill>
+                <a:schemeClr val="tx2">
+                  <a:lumMod val="50000"/>
+                </a:schemeClr>
+              </a:solidFill>
+            </a:endParaRPr>
+          </a:p>
+        </p:txBody>
+      </p:sp>
+      <p:pic>
+        <p:nvPicPr>
+          <p:cNvPr id="4" name="Picture 3" descr="Have you tried agile software development? It is quick and flexible ..."/>
+          <p:cNvPicPr/>
+          <p:nvPr/>
+        </p:nvPicPr>
+        <p:blipFill>
+          <a:blip r:embed="rId2">
+            <a:extLst>
+              <a:ext uri="{28A0092B-C50C-407E-A947-70E740481C1C}">
+                <a14:useLocalDpi xmlns:a14="http://schemas.microsoft.com/office/drawing/2010/main" val="0"/>
+              </a:ext>
+            </a:extLst>
+          </a:blip>
+          <a:srcRect/>
+          <a:stretch>
+            <a:fillRect/>
+          </a:stretch>
+        </p:blipFill>
+        <p:spPr bwMode="auto">
+          <a:xfrm>
+            <a:off x="2514981" y="1676082"/>
+            <a:ext cx="5731510" cy="2865755"/>
+          </a:xfrm>
+          <a:prstGeom prst="rect">
+            <a:avLst/>
+          </a:prstGeom>
+          <a:noFill/>
+          <a:ln>
+            <a:noFill/>
+          </a:ln>
+        </p:spPr>
+      </p:pic>
+      <p:sp>
+        <p:nvSpPr>
+          <p:cNvPr id="2" name="TextBox 1"/>
+          <p:cNvSpPr txBox="1"/>
+          <p:nvPr/>
+        </p:nvSpPr>
+        <p:spPr>
+          <a:xfrm>
+            <a:off x="1792224" y="4967769"/>
+            <a:ext cx="7168896" cy="3734356"/>
+          </a:xfrm>
+          <a:prstGeom prst="rect">
+            <a:avLst/>
+          </a:prstGeom>
+          <a:noFill/>
+          <a:ln w="12700" cap="flat">
+            <a:noFill/>
+            <a:miter lim="400000"/>
+          </a:ln>
+          <a:effectLst/>
+          <a:sp3d/>
+        </p:spPr>
+        <p:style>
+          <a:lnRef idx="0">
+            <a:scrgbClr r="0" g="0" b="0"/>
+          </a:lnRef>
+          <a:fillRef idx="0">
+            <a:scrgbClr r="0" g="0" b="0"/>
+          </a:fillRef>
+          <a:effectRef idx="0">
+            <a:scrgbClr r="0" g="0" b="0"/>
+          </a:effectRef>
+          <a:fontRef idx="none"/>
+        </p:style>
+        <p:txBody>
+          <a:bodyPr rot="0" spcFirstLastPara="1" vertOverflow="overflow" horzOverflow="overflow" vert="horz" wrap="square" lIns="50800" tIns="50800" rIns="50800" bIns="50800" numCol="1" spcCol="38100" rtlCol="0" anchor="ctr">
+            <a:spAutoFit/>
+          </a:bodyPr>
+          <a:lstStyle/>
+          <a:p>
+            <a:pPr algn="just"/>
+            <a:r>
+              <a:rPr lang="en-US" sz="2000" dirty="0">
+                <a:solidFill>
+                  <a:srgbClr val="000000"/>
+                </a:solidFill>
+                <a:latin typeface="Courier New" panose="02070309020205020404" pitchFamily="49" charset="0"/>
+                <a:cs typeface="Courier New" panose="02070309020205020404" pitchFamily="49" charset="0"/>
+              </a:rPr>
+              <a:t>The </a:t>
+            </a:r>
+            <a:r>
+              <a:rPr lang="en-US" sz="2000" b="1" dirty="0">
+                <a:solidFill>
+                  <a:srgbClr val="000000"/>
+                </a:solidFill>
+                <a:latin typeface="Courier New" panose="02070309020205020404" pitchFamily="49" charset="0"/>
+                <a:cs typeface="Courier New" panose="02070309020205020404" pitchFamily="49" charset="0"/>
+              </a:rPr>
+              <a:t>Agile</a:t>
+            </a:r>
+            <a:r>
+              <a:rPr lang="en-US" sz="2000" dirty="0">
+                <a:solidFill>
+                  <a:srgbClr val="000000"/>
+                </a:solidFill>
+                <a:latin typeface="Courier New" panose="02070309020205020404" pitchFamily="49" charset="0"/>
+                <a:cs typeface="Courier New" panose="02070309020205020404" pitchFamily="49" charset="0"/>
+              </a:rPr>
+              <a:t> methodology is a software development approach that emphasizes collaboration, flexibility, and continuous improvement. It focuses on delivering value to end-users through rapid iteration and incremental development. The Agile methodology is based on the Agile Manifesto, a set of values and principles for software development that prioritize individuals and interactions, working software, customer collaboration, and responding to change.</a:t>
+            </a:r>
+          </a:p>
+          <a:p>
+            <a:pPr marL="0" marR="0" indent="0" algn="ctr" defTabSz="1733930" rtl="0" fontAlgn="auto" latinLnBrk="0" hangingPunct="0">
+              <a:lnSpc>
+                <a:spcPct val="100000"/>
+              </a:lnSpc>
+              <a:spcBef>
+                <a:spcPts val="0"/>
+              </a:spcBef>
+              <a:spcAft>
+                <a:spcPts val="0"/>
+              </a:spcAft>
+              <a:buClrTx/>
+              <a:buSzTx/>
+              <a:buFontTx/>
+              <a:buNone/>
+              <a:tabLst/>
+            </a:pPr>
+            <a:endParaRPr kumimoji="0" lang="en-US" sz="1600" b="0" i="0" u="none" strike="noStrike" cap="none" spc="0" normalizeH="0" baseline="0" dirty="0">
+              <a:ln>
+                <a:noFill/>
+              </a:ln>
+              <a:solidFill>
+                <a:srgbClr val="5E5E5E"/>
+              </a:solidFill>
+              <a:effectLst/>
+              <a:uFillTx/>
+              <a:latin typeface="+mn-lt"/>
+              <a:ea typeface="+mn-ea"/>
+              <a:cs typeface="+mn-cs"/>
+              <a:sym typeface="Helvetica Neue"/>
+            </a:endParaRPr>
+          </a:p>
+        </p:txBody>
+      </p:sp>
+    </p:spTree>
+    <p:extLst>
+      <p:ext uri="{BB962C8B-B14F-4D97-AF65-F5344CB8AC3E}">
+        <p14:creationId xmlns:p14="http://schemas.microsoft.com/office/powerpoint/2010/main" val="1068867319"/>
+      </p:ext>
+    </p:extLst>
+  </p:cSld>
+  <p:clrMapOvr>
+    <a:masterClrMapping/>
+  </p:clrMapOvr>
+  <p:transition spd="med"/>
+  <p:timing>
+    <p:tnLst>
+      <p:par>
+        <p:cTn id="1" dur="indefinite" restart="never" nodeType="tmRoot"/>
+      </p:par>
+    </p:tnLst>
+  </p:timing>
 </p:sld>
 </file>
 
